--- a/Folien/sise2015-typescript-everyday.pptx
+++ b/Folien/sise2015-typescript-everyday.pptx
@@ -271,7 +271,7 @@
           <a:p>
             <a:fld id="{0D97EE51-645A-44C4-B661-E394E210A7AC}" type="datetimeFigureOut">
               <a:rPr lang="en-US" smtClean="0"/>
-              <a:t>5/6/2015</a:t>
+              <a:t>5/7/2015</a:t>
             </a:fld>
             <a:endParaRPr lang="en-US"/>
           </a:p>
@@ -2735,7 +2735,7 @@
           <a:p>
             <a:fld id="{002509CB-A5EF-46A5-9E29-370679D58628}" type="datetimeFigureOut">
               <a:rPr lang="en-US" smtClean="0"/>
-              <a:t>5/6/2015</a:t>
+              <a:t>5/7/2015</a:t>
             </a:fld>
             <a:endParaRPr lang="en-US"/>
           </a:p>
@@ -2905,7 +2905,7 @@
           <a:p>
             <a:fld id="{002509CB-A5EF-46A5-9E29-370679D58628}" type="datetimeFigureOut">
               <a:rPr lang="en-US" smtClean="0"/>
-              <a:t>5/6/2015</a:t>
+              <a:t>5/7/2015</a:t>
             </a:fld>
             <a:endParaRPr lang="en-US"/>
           </a:p>
@@ -3085,7 +3085,7 @@
           <a:p>
             <a:fld id="{002509CB-A5EF-46A5-9E29-370679D58628}" type="datetimeFigureOut">
               <a:rPr lang="en-US" smtClean="0"/>
-              <a:t>5/6/2015</a:t>
+              <a:t>5/7/2015</a:t>
             </a:fld>
             <a:endParaRPr lang="en-US"/>
           </a:p>
@@ -3255,7 +3255,7 @@
           <a:p>
             <a:fld id="{002509CB-A5EF-46A5-9E29-370679D58628}" type="datetimeFigureOut">
               <a:rPr lang="en-US" smtClean="0"/>
-              <a:t>5/6/2015</a:t>
+              <a:t>5/7/2015</a:t>
             </a:fld>
             <a:endParaRPr lang="en-US"/>
           </a:p>
@@ -3501,7 +3501,7 @@
           <a:p>
             <a:fld id="{002509CB-A5EF-46A5-9E29-370679D58628}" type="datetimeFigureOut">
               <a:rPr lang="en-US" smtClean="0"/>
-              <a:t>5/6/2015</a:t>
+              <a:t>5/7/2015</a:t>
             </a:fld>
             <a:endParaRPr lang="en-US"/>
           </a:p>
@@ -3733,7 +3733,7 @@
           <a:p>
             <a:fld id="{002509CB-A5EF-46A5-9E29-370679D58628}" type="datetimeFigureOut">
               <a:rPr lang="en-US" smtClean="0"/>
-              <a:t>5/6/2015</a:t>
+              <a:t>5/7/2015</a:t>
             </a:fld>
             <a:endParaRPr lang="en-US"/>
           </a:p>
@@ -4100,7 +4100,7 @@
           <a:p>
             <a:fld id="{002509CB-A5EF-46A5-9E29-370679D58628}" type="datetimeFigureOut">
               <a:rPr lang="en-US" smtClean="0"/>
-              <a:t>5/6/2015</a:t>
+              <a:t>5/7/2015</a:t>
             </a:fld>
             <a:endParaRPr lang="en-US"/>
           </a:p>
@@ -4218,7 +4218,7 @@
           <a:p>
             <a:fld id="{002509CB-A5EF-46A5-9E29-370679D58628}" type="datetimeFigureOut">
               <a:rPr lang="en-US" smtClean="0"/>
-              <a:t>5/6/2015</a:t>
+              <a:t>5/7/2015</a:t>
             </a:fld>
             <a:endParaRPr lang="en-US"/>
           </a:p>
@@ -4313,7 +4313,7 @@
           <a:p>
             <a:fld id="{002509CB-A5EF-46A5-9E29-370679D58628}" type="datetimeFigureOut">
               <a:rPr lang="en-US" smtClean="0"/>
-              <a:t>5/6/2015</a:t>
+              <a:t>5/7/2015</a:t>
             </a:fld>
             <a:endParaRPr lang="en-US"/>
           </a:p>
@@ -4590,7 +4590,7 @@
           <a:p>
             <a:fld id="{002509CB-A5EF-46A5-9E29-370679D58628}" type="datetimeFigureOut">
               <a:rPr lang="en-US" smtClean="0"/>
-              <a:t>5/6/2015</a:t>
+              <a:t>5/7/2015</a:t>
             </a:fld>
             <a:endParaRPr lang="en-US"/>
           </a:p>
@@ -4843,7 +4843,7 @@
           <a:p>
             <a:fld id="{002509CB-A5EF-46A5-9E29-370679D58628}" type="datetimeFigureOut">
               <a:rPr lang="en-US" smtClean="0"/>
-              <a:t>5/6/2015</a:t>
+              <a:t>5/7/2015</a:t>
             </a:fld>
             <a:endParaRPr lang="en-US"/>
           </a:p>
@@ -5056,7 +5056,7 @@
           <a:p>
             <a:fld id="{002509CB-A5EF-46A5-9E29-370679D58628}" type="datetimeFigureOut">
               <a:rPr lang="en-US" smtClean="0"/>
-              <a:t>5/6/2015</a:t>
+              <a:t>5/7/2015</a:t>
             </a:fld>
             <a:endParaRPr lang="en-US"/>
           </a:p>
